--- a/doc/SphinxDocs/SUMA/media/object_controller_notebook-gray.pptx
+++ b/doc/SphinxDocs/SUMA/media/object_controller_notebook-gray.pptx
@@ -288,7 +288,7 @@
           <a:p>
             <a:fld id="{ABDC1B30-5763-6046-BD81-99B5C396F289}" type="datetimeFigureOut">
               <a:rPr lang="en-US" smtClean="0"/>
-              <a:t>10/17/14</a:t>
+              <a:t>3/9/15</a:t>
             </a:fld>
             <a:endParaRPr lang="en-US"/>
           </a:p>
@@ -458,7 +458,7 @@
           <a:p>
             <a:fld id="{ABDC1B30-5763-6046-BD81-99B5C396F289}" type="datetimeFigureOut">
               <a:rPr lang="en-US" smtClean="0"/>
-              <a:t>10/17/14</a:t>
+              <a:t>3/9/15</a:t>
             </a:fld>
             <a:endParaRPr lang="en-US"/>
           </a:p>
@@ -638,7 +638,7 @@
           <a:p>
             <a:fld id="{ABDC1B30-5763-6046-BD81-99B5C396F289}" type="datetimeFigureOut">
               <a:rPr lang="en-US" smtClean="0"/>
-              <a:t>10/17/14</a:t>
+              <a:t>3/9/15</a:t>
             </a:fld>
             <a:endParaRPr lang="en-US"/>
           </a:p>
@@ -808,7 +808,7 @@
           <a:p>
             <a:fld id="{ABDC1B30-5763-6046-BD81-99B5C396F289}" type="datetimeFigureOut">
               <a:rPr lang="en-US" smtClean="0"/>
-              <a:t>10/17/14</a:t>
+              <a:t>3/9/15</a:t>
             </a:fld>
             <a:endParaRPr lang="en-US"/>
           </a:p>
@@ -1054,7 +1054,7 @@
           <a:p>
             <a:fld id="{ABDC1B30-5763-6046-BD81-99B5C396F289}" type="datetimeFigureOut">
               <a:rPr lang="en-US" smtClean="0"/>
-              <a:t>10/17/14</a:t>
+              <a:t>3/9/15</a:t>
             </a:fld>
             <a:endParaRPr lang="en-US"/>
           </a:p>
@@ -1342,7 +1342,7 @@
           <a:p>
             <a:fld id="{ABDC1B30-5763-6046-BD81-99B5C396F289}" type="datetimeFigureOut">
               <a:rPr lang="en-US" smtClean="0"/>
-              <a:t>10/17/14</a:t>
+              <a:t>3/9/15</a:t>
             </a:fld>
             <a:endParaRPr lang="en-US"/>
           </a:p>
@@ -1764,7 +1764,7 @@
           <a:p>
             <a:fld id="{ABDC1B30-5763-6046-BD81-99B5C396F289}" type="datetimeFigureOut">
               <a:rPr lang="en-US" smtClean="0"/>
-              <a:t>10/17/14</a:t>
+              <a:t>3/9/15</a:t>
             </a:fld>
             <a:endParaRPr lang="en-US"/>
           </a:p>
@@ -1882,7 +1882,7 @@
           <a:p>
             <a:fld id="{ABDC1B30-5763-6046-BD81-99B5C396F289}" type="datetimeFigureOut">
               <a:rPr lang="en-US" smtClean="0"/>
-              <a:t>10/17/14</a:t>
+              <a:t>3/9/15</a:t>
             </a:fld>
             <a:endParaRPr lang="en-US"/>
           </a:p>
@@ -1977,7 +1977,7 @@
           <a:p>
             <a:fld id="{ABDC1B30-5763-6046-BD81-99B5C396F289}" type="datetimeFigureOut">
               <a:rPr lang="en-US" smtClean="0"/>
-              <a:t>10/17/14</a:t>
+              <a:t>3/9/15</a:t>
             </a:fld>
             <a:endParaRPr lang="en-US"/>
           </a:p>
@@ -2254,7 +2254,7 @@
           <a:p>
             <a:fld id="{ABDC1B30-5763-6046-BD81-99B5C396F289}" type="datetimeFigureOut">
               <a:rPr lang="en-US" smtClean="0"/>
-              <a:t>10/17/14</a:t>
+              <a:t>3/9/15</a:t>
             </a:fld>
             <a:endParaRPr lang="en-US"/>
           </a:p>
@@ -2507,7 +2507,7 @@
           <a:p>
             <a:fld id="{ABDC1B30-5763-6046-BD81-99B5C396F289}" type="datetimeFigureOut">
               <a:rPr lang="en-US" smtClean="0"/>
-              <a:t>10/17/14</a:t>
+              <a:t>3/9/15</a:t>
             </a:fld>
             <a:endParaRPr lang="en-US"/>
           </a:p>
@@ -2720,7 +2720,7 @@
           <a:p>
             <a:fld id="{ABDC1B30-5763-6046-BD81-99B5C396F289}" type="datetimeFigureOut">
               <a:rPr lang="en-US" smtClean="0"/>
-              <a:t>10/17/14</a:t>
+              <a:t>3/9/15</a:t>
             </a:fld>
             <a:endParaRPr lang="en-US"/>
           </a:p>
@@ -3095,36 +3095,81 @@
           <a:chExt cx="0" cy="0"/>
         </a:xfrm>
       </p:grpSpPr>
-      <p:pic>
-        <p:nvPicPr>
-          <p:cNvPr id="4" name="Picture 3" descr="object_controller_notebook.jpg"/>
-          <p:cNvPicPr>
-            <a:picLocks noChangeAspect="1"/>
-          </p:cNvPicPr>
+      <p:grpSp>
+        <p:nvGrpSpPr>
+          <p:cNvPr id="3" name="Group 2"/>
+          <p:cNvGrpSpPr/>
           <p:nvPr/>
-        </p:nvPicPr>
-        <p:blipFill>
-          <a:blip r:embed="rId2">
-            <a:extLst>
-              <a:ext uri="{28A0092B-C50C-407E-A947-70E740481C1C}">
-                <a14:useLocalDpi xmlns:a14="http://schemas.microsoft.com/office/drawing/2010/main" val="0"/>
-              </a:ext>
-            </a:extLst>
-          </a:blip>
-          <a:stretch>
-            <a:fillRect/>
-          </a:stretch>
-        </p:blipFill>
-        <p:spPr>
+        </p:nvGrpSpPr>
+        <p:grpSpPr>
           <a:xfrm>
-            <a:off x="0" y="0"/>
+            <a:off x="-7961" y="0"/>
             <a:ext cx="7079583" cy="6858000"/>
+            <a:chOff x="1032209" y="0"/>
+            <a:chExt cx="7079583" cy="6858000"/>
           </a:xfrm>
-          <a:prstGeom prst="rect">
-            <a:avLst/>
-          </a:prstGeom>
-        </p:spPr>
-      </p:pic>
+        </p:grpSpPr>
+        <p:pic>
+          <p:nvPicPr>
+            <p:cNvPr id="4" name="Picture 3" descr="object_controller_notebook.jpg"/>
+            <p:cNvPicPr>
+              <a:picLocks noChangeAspect="1"/>
+            </p:cNvPicPr>
+            <p:nvPr/>
+          </p:nvPicPr>
+          <p:blipFill>
+            <a:blip r:embed="rId2">
+              <a:extLst>
+                <a:ext uri="{28A0092B-C50C-407E-A947-70E740481C1C}">
+                  <a14:useLocalDpi xmlns:a14="http://schemas.microsoft.com/office/drawing/2010/main" val="0"/>
+                </a:ext>
+              </a:extLst>
+            </a:blip>
+            <a:stretch>
+              <a:fillRect/>
+            </a:stretch>
+          </p:blipFill>
+          <p:spPr>
+            <a:xfrm>
+              <a:off x="1032209" y="0"/>
+              <a:ext cx="7079583" cy="6858000"/>
+            </a:xfrm>
+            <a:prstGeom prst="rect">
+              <a:avLst/>
+            </a:prstGeom>
+          </p:spPr>
+        </p:pic>
+        <p:pic>
+          <p:nvPicPr>
+            <p:cNvPr id="2" name="Picture 1" descr="object_controller_notebook.jpg"/>
+            <p:cNvPicPr>
+              <a:picLocks noChangeAspect="1"/>
+            </p:cNvPicPr>
+            <p:nvPr/>
+          </p:nvPicPr>
+          <p:blipFill>
+            <a:blip r:embed="rId3">
+              <a:extLst>
+                <a:ext uri="{28A0092B-C50C-407E-A947-70E740481C1C}">
+                  <a14:useLocalDpi xmlns:a14="http://schemas.microsoft.com/office/drawing/2010/main" val="0"/>
+                </a:ext>
+              </a:extLst>
+            </a:blip>
+            <a:stretch>
+              <a:fillRect/>
+            </a:stretch>
+          </p:blipFill>
+          <p:spPr>
+            <a:xfrm>
+              <a:off x="1032209" y="0"/>
+              <a:ext cx="7079583" cy="6858000"/>
+            </a:xfrm>
+            <a:prstGeom prst="rect">
+              <a:avLst/>
+            </a:prstGeom>
+          </p:spPr>
+        </p:pic>
+      </p:grpSp>
       <p:sp>
         <p:nvSpPr>
           <p:cNvPr id="5" name="Rectangle 4"/>
